--- a/02-Imagenes/ETL/PowerPointImagenes.pptx
+++ b/02-Imagenes/ETL/PowerPointImagenes.pptx
@@ -6,6 +6,7 @@
   </p:sldMasterIdLst>
   <p:sldIdLst>
     <p:sldId id="256" r:id="rId2"/>
+    <p:sldId id="257" r:id="rId3"/>
   </p:sldIdLst>
   <p:sldSz cx="12192000" cy="6858000"/>
   <p:notesSz cx="6858000" cy="9144000"/>
@@ -3321,353 +3322,453 @@
           <a:chExt cx="0" cy="0"/>
         </a:xfrm>
       </p:grpSpPr>
-      <p:pic>
-        <p:nvPicPr>
-          <p:cNvPr id="5" name="Gráfico 4" descr="Base de datos con relleno sólido">
-            <a:extLst>
-              <a:ext uri="{FF2B5EF4-FFF2-40B4-BE49-F238E27FC236}">
-                <a16:creationId xmlns:a16="http://schemas.microsoft.com/office/drawing/2014/main" id="{382B036B-D330-9F3D-ED6C-02E425DAA571}"/>
-              </a:ext>
-            </a:extLst>
-          </p:cNvPr>
-          <p:cNvPicPr>
-            <a:picLocks noChangeAspect="1"/>
-          </p:cNvPicPr>
+      <p:grpSp>
+        <p:nvGrpSpPr>
+          <p:cNvPr id="22" name="Grupo 21">
+            <a:extLst>
+              <a:ext uri="{FF2B5EF4-FFF2-40B4-BE49-F238E27FC236}">
+                <a16:creationId xmlns:a16="http://schemas.microsoft.com/office/drawing/2014/main" id="{B44A5E95-F734-4837-50FF-2FEF0084AF35}"/>
+              </a:ext>
+            </a:extLst>
+          </p:cNvPr>
+          <p:cNvGrpSpPr/>
           <p:nvPr/>
-        </p:nvPicPr>
-        <p:blipFill>
-          <a:blip r:embed="rId2">
-            <a:extLst>
-              <a:ext uri="{96DAC541-7B7A-43D3-8B79-37D633B846F1}">
-                <asvg:svgBlip xmlns:asvg="http://schemas.microsoft.com/office/drawing/2016/SVG/main" r:embed="rId3"/>
-              </a:ext>
-            </a:extLst>
-          </a:blip>
-          <a:stretch>
-            <a:fillRect/>
-          </a:stretch>
-        </p:blipFill>
-        <p:spPr>
-          <a:xfrm>
-            <a:off x="0" y="1865479"/>
-            <a:ext cx="3600000" cy="3600000"/>
-          </a:xfrm>
-          <a:prstGeom prst="rect">
-            <a:avLst/>
-          </a:prstGeom>
-        </p:spPr>
-      </p:pic>
-      <p:pic>
-        <p:nvPicPr>
-          <p:cNvPr id="7" name="Gráfico 6" descr="Engranajes con relleno sólido">
-            <a:extLst>
-              <a:ext uri="{FF2B5EF4-FFF2-40B4-BE49-F238E27FC236}">
-                <a16:creationId xmlns:a16="http://schemas.microsoft.com/office/drawing/2014/main" id="{BE1C6EDF-3D46-4435-035C-F1FF8DE51DAB}"/>
-              </a:ext>
-            </a:extLst>
-          </p:cNvPr>
-          <p:cNvPicPr>
-            <a:picLocks noChangeAspect="1"/>
-          </p:cNvPicPr>
-          <p:nvPr/>
-        </p:nvPicPr>
-        <p:blipFill>
-          <a:blip r:embed="rId4">
-            <a:extLst>
-              <a:ext uri="{96DAC541-7B7A-43D3-8B79-37D633B846F1}">
-                <asvg:svgBlip xmlns:asvg="http://schemas.microsoft.com/office/drawing/2016/SVG/main" r:embed="rId5"/>
-              </a:ext>
-            </a:extLst>
-          </a:blip>
-          <a:stretch>
-            <a:fillRect/>
-          </a:stretch>
-        </p:blipFill>
-        <p:spPr>
-          <a:xfrm>
-            <a:off x="4156213" y="1865479"/>
-            <a:ext cx="3600000" cy="3600000"/>
-          </a:xfrm>
-          <a:prstGeom prst="rect">
-            <a:avLst/>
-          </a:prstGeom>
-        </p:spPr>
-      </p:pic>
-      <p:pic>
-        <p:nvPicPr>
-          <p:cNvPr id="9" name="Gráfico 8" descr="Informática en la nube con relleno sólido">
-            <a:extLst>
-              <a:ext uri="{FF2B5EF4-FFF2-40B4-BE49-F238E27FC236}">
-                <a16:creationId xmlns:a16="http://schemas.microsoft.com/office/drawing/2014/main" id="{B8A36767-852F-86D0-DB63-DC9E58AD8589}"/>
-              </a:ext>
-            </a:extLst>
-          </p:cNvPr>
-          <p:cNvPicPr>
-            <a:picLocks noChangeAspect="1"/>
-          </p:cNvPicPr>
-          <p:nvPr/>
-        </p:nvPicPr>
-        <p:blipFill>
-          <a:blip r:embed="rId6">
-            <a:extLst>
-              <a:ext uri="{96DAC541-7B7A-43D3-8B79-37D633B846F1}">
-                <asvg:svgBlip xmlns:asvg="http://schemas.microsoft.com/office/drawing/2016/SVG/main" r:embed="rId7"/>
-              </a:ext>
-            </a:extLst>
-          </a:blip>
-          <a:stretch>
-            <a:fillRect/>
-          </a:stretch>
-        </p:blipFill>
-        <p:spPr>
-          <a:xfrm>
-            <a:off x="8312426" y="1865479"/>
-            <a:ext cx="3600000" cy="3600000"/>
-          </a:xfrm>
-          <a:prstGeom prst="rect">
-            <a:avLst/>
-          </a:prstGeom>
-        </p:spPr>
-      </p:pic>
-      <p:cxnSp>
-        <p:nvCxnSpPr>
-          <p:cNvPr id="11" name="Conector recto de flecha 10">
-            <a:extLst>
-              <a:ext uri="{FF2B5EF4-FFF2-40B4-BE49-F238E27FC236}">
-                <a16:creationId xmlns:a16="http://schemas.microsoft.com/office/drawing/2014/main" id="{A4FF567C-A0B7-37A7-8B2D-0AC368E26599}"/>
-              </a:ext>
-            </a:extLst>
-          </p:cNvPr>
-          <p:cNvCxnSpPr>
-            <a:cxnSpLocks/>
-          </p:cNvCxnSpPr>
-          <p:nvPr/>
-        </p:nvCxnSpPr>
-        <p:spPr>
-          <a:xfrm>
-            <a:off x="3352800" y="3711462"/>
-            <a:ext cx="977462" cy="0"/>
-          </a:xfrm>
-          <a:prstGeom prst="straightConnector1">
-            <a:avLst/>
-          </a:prstGeom>
-          <a:ln w="76200">
-            <a:solidFill>
-              <a:srgbClr val="FFC000"/>
-            </a:solidFill>
-            <a:tailEnd type="triangle"/>
-          </a:ln>
-        </p:spPr>
-        <p:style>
-          <a:lnRef idx="2">
-            <a:schemeClr val="accent1"/>
-          </a:lnRef>
-          <a:fillRef idx="0">
-            <a:schemeClr val="accent1"/>
-          </a:fillRef>
-          <a:effectRef idx="1">
-            <a:schemeClr val="accent1"/>
-          </a:effectRef>
-          <a:fontRef idx="minor">
-            <a:schemeClr val="tx1"/>
-          </a:fontRef>
-        </p:style>
-      </p:cxnSp>
-      <p:cxnSp>
-        <p:nvCxnSpPr>
-          <p:cNvPr id="12" name="Conector recto de flecha 11">
-            <a:extLst>
-              <a:ext uri="{FF2B5EF4-FFF2-40B4-BE49-F238E27FC236}">
-                <a16:creationId xmlns:a16="http://schemas.microsoft.com/office/drawing/2014/main" id="{D7E77D47-4368-68A1-B466-94C3AB8B9D3F}"/>
-              </a:ext>
-            </a:extLst>
-          </p:cNvPr>
-          <p:cNvCxnSpPr>
-            <a:cxnSpLocks/>
-          </p:cNvCxnSpPr>
-          <p:nvPr/>
-        </p:nvCxnSpPr>
-        <p:spPr>
-          <a:xfrm>
-            <a:off x="7267482" y="3711462"/>
-            <a:ext cx="977462" cy="0"/>
-          </a:xfrm>
-          <a:prstGeom prst="straightConnector1">
-            <a:avLst/>
-          </a:prstGeom>
-          <a:ln w="76200">
-            <a:solidFill>
-              <a:srgbClr val="FFC000"/>
-            </a:solidFill>
-            <a:tailEnd type="triangle"/>
-          </a:ln>
-        </p:spPr>
-        <p:style>
-          <a:lnRef idx="2">
-            <a:schemeClr val="accent1"/>
-          </a:lnRef>
-          <a:fillRef idx="0">
-            <a:schemeClr val="accent1"/>
-          </a:fillRef>
-          <a:effectRef idx="1">
-            <a:schemeClr val="accent1"/>
-          </a:effectRef>
-          <a:fontRef idx="minor">
-            <a:schemeClr val="tx1"/>
-          </a:fontRef>
-        </p:style>
-      </p:cxnSp>
-      <p:sp>
-        <p:nvSpPr>
-          <p:cNvPr id="13" name="CuadroTexto 12">
-            <a:extLst>
-              <a:ext uri="{FF2B5EF4-FFF2-40B4-BE49-F238E27FC236}">
-                <a16:creationId xmlns:a16="http://schemas.microsoft.com/office/drawing/2014/main" id="{A3BBF106-8E71-2E74-5B95-1E9C0783643C}"/>
-              </a:ext>
-            </a:extLst>
-          </p:cNvPr>
-          <p:cNvSpPr txBox="1"/>
-          <p:nvPr/>
-        </p:nvSpPr>
-        <p:spPr>
-          <a:xfrm>
-            <a:off x="565034" y="1496147"/>
-            <a:ext cx="2469931" cy="400110"/>
-          </a:xfrm>
-          <a:prstGeom prst="rect">
-            <a:avLst/>
-          </a:prstGeom>
-          <a:noFill/>
-        </p:spPr>
-        <p:txBody>
-          <a:bodyPr wrap="square" rtlCol="0">
-            <a:spAutoFit/>
-          </a:bodyPr>
-          <a:lstStyle/>
-          <a:p>
-            <a:pPr algn="ctr"/>
-            <a:r>
-              <a:rPr lang="es-ES" sz="2000" b="1" dirty="0">
-                <a:latin typeface="Geist Mono Bold" pitchFamily="2" charset="77"/>
-                <a:ea typeface="Geist Mono Bold" pitchFamily="2" charset="77"/>
-                <a:cs typeface="Geist Mono Bold" pitchFamily="2" charset="77"/>
-              </a:rPr>
-              <a:t>Extracción</a:t>
-            </a:r>
-          </a:p>
-        </p:txBody>
-      </p:sp>
-      <p:sp>
-        <p:nvSpPr>
-          <p:cNvPr id="14" name="CuadroTexto 13">
-            <a:extLst>
-              <a:ext uri="{FF2B5EF4-FFF2-40B4-BE49-F238E27FC236}">
-                <a16:creationId xmlns:a16="http://schemas.microsoft.com/office/drawing/2014/main" id="{9F8F4CF4-AEDB-012E-FA6D-778FC01F3DD1}"/>
-              </a:ext>
-            </a:extLst>
-          </p:cNvPr>
-          <p:cNvSpPr txBox="1"/>
-          <p:nvPr/>
-        </p:nvSpPr>
-        <p:spPr>
-          <a:xfrm>
-            <a:off x="4959940" y="1465369"/>
-            <a:ext cx="2469931" cy="400110"/>
-          </a:xfrm>
-          <a:prstGeom prst="rect">
-            <a:avLst/>
-          </a:prstGeom>
-          <a:noFill/>
-        </p:spPr>
-        <p:txBody>
-          <a:bodyPr wrap="square" rtlCol="0">
-            <a:spAutoFit/>
-          </a:bodyPr>
-          <a:lstStyle/>
-          <a:p>
-            <a:pPr algn="ctr"/>
-            <a:r>
-              <a:rPr lang="es-ES" sz="2000" b="1" dirty="0">
-                <a:latin typeface="Geist Mono Bold" pitchFamily="2" charset="77"/>
-                <a:ea typeface="Geist Mono Bold" pitchFamily="2" charset="77"/>
-                <a:cs typeface="Geist Mono Bold" pitchFamily="2" charset="77"/>
-              </a:rPr>
-              <a:t>Transformación</a:t>
-            </a:r>
-          </a:p>
-        </p:txBody>
-      </p:sp>
-      <p:sp>
-        <p:nvSpPr>
-          <p:cNvPr id="15" name="CuadroTexto 14">
-            <a:extLst>
-              <a:ext uri="{FF2B5EF4-FFF2-40B4-BE49-F238E27FC236}">
-                <a16:creationId xmlns:a16="http://schemas.microsoft.com/office/drawing/2014/main" id="{0E1C92BE-CD53-9C64-208D-2CE6C3A53F25}"/>
-              </a:ext>
-            </a:extLst>
-          </p:cNvPr>
-          <p:cNvSpPr txBox="1"/>
-          <p:nvPr/>
-        </p:nvSpPr>
-        <p:spPr>
-          <a:xfrm>
-            <a:off x="9017247" y="1465369"/>
-            <a:ext cx="2469931" cy="400110"/>
-          </a:xfrm>
-          <a:prstGeom prst="rect">
-            <a:avLst/>
-          </a:prstGeom>
-          <a:noFill/>
-        </p:spPr>
-        <p:txBody>
-          <a:bodyPr wrap="square" rtlCol="0">
-            <a:spAutoFit/>
-          </a:bodyPr>
-          <a:lstStyle/>
-          <a:p>
-            <a:pPr algn="ctr"/>
-            <a:r>
-              <a:rPr lang="es-ES" sz="2000" b="1" dirty="0">
-                <a:latin typeface="Geist Mono Bold" pitchFamily="2" charset="77"/>
-                <a:ea typeface="Geist Mono Bold" pitchFamily="2" charset="77"/>
-                <a:cs typeface="Geist Mono Bold" pitchFamily="2" charset="77"/>
-              </a:rPr>
-              <a:t>Carga</a:t>
-            </a:r>
-          </a:p>
-        </p:txBody>
-      </p:sp>
-      <p:sp>
-        <p:nvSpPr>
-          <p:cNvPr id="16" name="CuadroTexto 15">
-            <a:extLst>
-              <a:ext uri="{FF2B5EF4-FFF2-40B4-BE49-F238E27FC236}">
-                <a16:creationId xmlns:a16="http://schemas.microsoft.com/office/drawing/2014/main" id="{CFCAE816-762F-7EB3-18FC-B35513975BE5}"/>
-              </a:ext>
-            </a:extLst>
-          </p:cNvPr>
-          <p:cNvSpPr txBox="1"/>
-          <p:nvPr/>
-        </p:nvSpPr>
-        <p:spPr>
+        </p:nvGrpSpPr>
+        <p:grpSpPr>
           <a:xfrm>
             <a:off x="0" y="-4515"/>
-            <a:ext cx="12192000" cy="1200329"/>
+            <a:ext cx="12192000" cy="6862515"/>
+            <a:chOff x="0" y="-4515"/>
+            <a:chExt cx="12192000" cy="6862515"/>
           </a:xfrm>
-          <a:prstGeom prst="rect">
-            <a:avLst/>
-          </a:prstGeom>
-          <a:noFill/>
-        </p:spPr>
-        <p:txBody>
-          <a:bodyPr wrap="square" rtlCol="0">
-            <a:spAutoFit/>
-          </a:bodyPr>
-          <a:lstStyle/>
-          <a:p>
-            <a:pPr algn="ctr"/>
-            <a:r>
-              <a:rPr lang="es-ES" sz="4000" b="1" dirty="0">
+        </p:grpSpPr>
+        <p:sp>
+          <p:nvSpPr>
+            <p:cNvPr id="21" name="Rectángulo 20">
+              <a:extLst>
+                <a:ext uri="{FF2B5EF4-FFF2-40B4-BE49-F238E27FC236}">
+                  <a16:creationId xmlns:a16="http://schemas.microsoft.com/office/drawing/2014/main" id="{2CBB04CA-94CE-986C-4237-46688D5A94E1}"/>
+                </a:ext>
+              </a:extLst>
+            </p:cNvPr>
+            <p:cNvSpPr/>
+            <p:nvPr/>
+          </p:nvSpPr>
+          <p:spPr>
+            <a:xfrm>
+              <a:off x="0" y="0"/>
+              <a:ext cx="12192000" cy="6858000"/>
+            </a:xfrm>
+            <a:prstGeom prst="rect">
+              <a:avLst/>
+            </a:prstGeom>
+            <a:solidFill>
+              <a:schemeClr val="bg1"/>
+            </a:solidFill>
+            <a:ln>
+              <a:noFill/>
+            </a:ln>
+          </p:spPr>
+          <p:style>
+            <a:lnRef idx="2">
+              <a:schemeClr val="accent1">
+                <a:shade val="15000"/>
+              </a:schemeClr>
+            </a:lnRef>
+            <a:fillRef idx="1">
+              <a:schemeClr val="accent1"/>
+            </a:fillRef>
+            <a:effectRef idx="0">
+              <a:schemeClr val="accent1"/>
+            </a:effectRef>
+            <a:fontRef idx="minor">
+              <a:schemeClr val="lt1"/>
+            </a:fontRef>
+          </p:style>
+          <p:txBody>
+            <a:bodyPr rtlCol="0" anchor="ctr"/>
+            <a:lstStyle/>
+            <a:p>
+              <a:pPr algn="ctr"/>
+              <a:endParaRPr lang="es-ES"/>
+            </a:p>
+          </p:txBody>
+        </p:sp>
+        <p:pic>
+          <p:nvPicPr>
+            <p:cNvPr id="5" name="Gráfico 4" descr="Base de datos con relleno sólido">
+              <a:extLst>
+                <a:ext uri="{FF2B5EF4-FFF2-40B4-BE49-F238E27FC236}">
+                  <a16:creationId xmlns:a16="http://schemas.microsoft.com/office/drawing/2014/main" id="{382B036B-D330-9F3D-ED6C-02E425DAA571}"/>
+                </a:ext>
+              </a:extLst>
+            </p:cNvPr>
+            <p:cNvPicPr>
+              <a:picLocks noChangeAspect="1"/>
+            </p:cNvPicPr>
+            <p:nvPr/>
+          </p:nvPicPr>
+          <p:blipFill>
+            <a:blip r:embed="rId2">
+              <a:extLst>
+                <a:ext uri="{96DAC541-7B7A-43D3-8B79-37D633B846F1}">
+                  <asvg:svgBlip xmlns:asvg="http://schemas.microsoft.com/office/drawing/2016/SVG/main" r:embed="rId3"/>
+                </a:ext>
+              </a:extLst>
+            </a:blip>
+            <a:stretch>
+              <a:fillRect/>
+            </a:stretch>
+          </p:blipFill>
+          <p:spPr>
+            <a:xfrm>
+              <a:off x="0" y="1865479"/>
+              <a:ext cx="3600000" cy="3600000"/>
+            </a:xfrm>
+            <a:prstGeom prst="rect">
+              <a:avLst/>
+            </a:prstGeom>
+          </p:spPr>
+        </p:pic>
+        <p:pic>
+          <p:nvPicPr>
+            <p:cNvPr id="7" name="Gráfico 6" descr="Engranajes con relleno sólido">
+              <a:extLst>
+                <a:ext uri="{FF2B5EF4-FFF2-40B4-BE49-F238E27FC236}">
+                  <a16:creationId xmlns:a16="http://schemas.microsoft.com/office/drawing/2014/main" id="{BE1C6EDF-3D46-4435-035C-F1FF8DE51DAB}"/>
+                </a:ext>
+              </a:extLst>
+            </p:cNvPr>
+            <p:cNvPicPr>
+              <a:picLocks noChangeAspect="1"/>
+            </p:cNvPicPr>
+            <p:nvPr/>
+          </p:nvPicPr>
+          <p:blipFill>
+            <a:blip r:embed="rId4">
+              <a:extLst>
+                <a:ext uri="{96DAC541-7B7A-43D3-8B79-37D633B846F1}">
+                  <asvg:svgBlip xmlns:asvg="http://schemas.microsoft.com/office/drawing/2016/SVG/main" r:embed="rId5"/>
+                </a:ext>
+              </a:extLst>
+            </a:blip>
+            <a:stretch>
+              <a:fillRect/>
+            </a:stretch>
+          </p:blipFill>
+          <p:spPr>
+            <a:xfrm>
+              <a:off x="4156213" y="1865479"/>
+              <a:ext cx="3600000" cy="3600000"/>
+            </a:xfrm>
+            <a:prstGeom prst="rect">
+              <a:avLst/>
+            </a:prstGeom>
+          </p:spPr>
+        </p:pic>
+        <p:pic>
+          <p:nvPicPr>
+            <p:cNvPr id="9" name="Gráfico 8" descr="Informática en la nube con relleno sólido">
+              <a:extLst>
+                <a:ext uri="{FF2B5EF4-FFF2-40B4-BE49-F238E27FC236}">
+                  <a16:creationId xmlns:a16="http://schemas.microsoft.com/office/drawing/2014/main" id="{B8A36767-852F-86D0-DB63-DC9E58AD8589}"/>
+                </a:ext>
+              </a:extLst>
+            </p:cNvPr>
+            <p:cNvPicPr>
+              <a:picLocks noChangeAspect="1"/>
+            </p:cNvPicPr>
+            <p:nvPr/>
+          </p:nvPicPr>
+          <p:blipFill>
+            <a:blip r:embed="rId6">
+              <a:extLst>
+                <a:ext uri="{96DAC541-7B7A-43D3-8B79-37D633B846F1}">
+                  <asvg:svgBlip xmlns:asvg="http://schemas.microsoft.com/office/drawing/2016/SVG/main" r:embed="rId7"/>
+                </a:ext>
+              </a:extLst>
+            </a:blip>
+            <a:stretch>
+              <a:fillRect/>
+            </a:stretch>
+          </p:blipFill>
+          <p:spPr>
+            <a:xfrm>
+              <a:off x="8312426" y="1865479"/>
+              <a:ext cx="3600000" cy="3600000"/>
+            </a:xfrm>
+            <a:prstGeom prst="rect">
+              <a:avLst/>
+            </a:prstGeom>
+          </p:spPr>
+        </p:pic>
+        <p:cxnSp>
+          <p:nvCxnSpPr>
+            <p:cNvPr id="11" name="Conector recto de flecha 10">
+              <a:extLst>
+                <a:ext uri="{FF2B5EF4-FFF2-40B4-BE49-F238E27FC236}">
+                  <a16:creationId xmlns:a16="http://schemas.microsoft.com/office/drawing/2014/main" id="{A4FF567C-A0B7-37A7-8B2D-0AC368E26599}"/>
+                </a:ext>
+              </a:extLst>
+            </p:cNvPr>
+            <p:cNvCxnSpPr>
+              <a:cxnSpLocks/>
+            </p:cNvCxnSpPr>
+            <p:nvPr/>
+          </p:nvCxnSpPr>
+          <p:spPr>
+            <a:xfrm>
+              <a:off x="3352800" y="3711462"/>
+              <a:ext cx="977462" cy="0"/>
+            </a:xfrm>
+            <a:prstGeom prst="straightConnector1">
+              <a:avLst/>
+            </a:prstGeom>
+            <a:ln w="76200">
+              <a:solidFill>
+                <a:srgbClr val="FFC000"/>
+              </a:solidFill>
+              <a:tailEnd type="triangle"/>
+            </a:ln>
+          </p:spPr>
+          <p:style>
+            <a:lnRef idx="2">
+              <a:schemeClr val="accent1"/>
+            </a:lnRef>
+            <a:fillRef idx="0">
+              <a:schemeClr val="accent1"/>
+            </a:fillRef>
+            <a:effectRef idx="1">
+              <a:schemeClr val="accent1"/>
+            </a:effectRef>
+            <a:fontRef idx="minor">
+              <a:schemeClr val="tx1"/>
+            </a:fontRef>
+          </p:style>
+        </p:cxnSp>
+        <p:cxnSp>
+          <p:nvCxnSpPr>
+            <p:cNvPr id="12" name="Conector recto de flecha 11">
+              <a:extLst>
+                <a:ext uri="{FF2B5EF4-FFF2-40B4-BE49-F238E27FC236}">
+                  <a16:creationId xmlns:a16="http://schemas.microsoft.com/office/drawing/2014/main" id="{D7E77D47-4368-68A1-B466-94C3AB8B9D3F}"/>
+                </a:ext>
+              </a:extLst>
+            </p:cNvPr>
+            <p:cNvCxnSpPr>
+              <a:cxnSpLocks/>
+            </p:cNvCxnSpPr>
+            <p:nvPr/>
+          </p:nvCxnSpPr>
+          <p:spPr>
+            <a:xfrm>
+              <a:off x="7267482" y="3711462"/>
+              <a:ext cx="977462" cy="0"/>
+            </a:xfrm>
+            <a:prstGeom prst="straightConnector1">
+              <a:avLst/>
+            </a:prstGeom>
+            <a:ln w="76200">
+              <a:solidFill>
+                <a:srgbClr val="FFC000"/>
+              </a:solidFill>
+              <a:tailEnd type="triangle"/>
+            </a:ln>
+          </p:spPr>
+          <p:style>
+            <a:lnRef idx="2">
+              <a:schemeClr val="accent1"/>
+            </a:lnRef>
+            <a:fillRef idx="0">
+              <a:schemeClr val="accent1"/>
+            </a:fillRef>
+            <a:effectRef idx="1">
+              <a:schemeClr val="accent1"/>
+            </a:effectRef>
+            <a:fontRef idx="minor">
+              <a:schemeClr val="tx1"/>
+            </a:fontRef>
+          </p:style>
+        </p:cxnSp>
+        <p:sp>
+          <p:nvSpPr>
+            <p:cNvPr id="13" name="CuadroTexto 12">
+              <a:extLst>
+                <a:ext uri="{FF2B5EF4-FFF2-40B4-BE49-F238E27FC236}">
+                  <a16:creationId xmlns:a16="http://schemas.microsoft.com/office/drawing/2014/main" id="{A3BBF106-8E71-2E74-5B95-1E9C0783643C}"/>
+                </a:ext>
+              </a:extLst>
+            </p:cNvPr>
+            <p:cNvSpPr txBox="1"/>
+            <p:nvPr/>
+          </p:nvSpPr>
+          <p:spPr>
+            <a:xfrm>
+              <a:off x="565034" y="1496147"/>
+              <a:ext cx="2469931" cy="400110"/>
+            </a:xfrm>
+            <a:prstGeom prst="rect">
+              <a:avLst/>
+            </a:prstGeom>
+            <a:noFill/>
+          </p:spPr>
+          <p:txBody>
+            <a:bodyPr wrap="square" rtlCol="0">
+              <a:spAutoFit/>
+            </a:bodyPr>
+            <a:lstStyle/>
+            <a:p>
+              <a:pPr algn="ctr"/>
+              <a:r>
+                <a:rPr lang="es-ES" sz="2000" b="1" dirty="0">
+                  <a:latin typeface="Geist Mono Bold" pitchFamily="2" charset="77"/>
+                  <a:ea typeface="Geist Mono Bold" pitchFamily="2" charset="77"/>
+                  <a:cs typeface="Geist Mono Bold" pitchFamily="2" charset="77"/>
+                </a:rPr>
+                <a:t>Extracción</a:t>
+              </a:r>
+            </a:p>
+          </p:txBody>
+        </p:sp>
+        <p:sp>
+          <p:nvSpPr>
+            <p:cNvPr id="14" name="CuadroTexto 13">
+              <a:extLst>
+                <a:ext uri="{FF2B5EF4-FFF2-40B4-BE49-F238E27FC236}">
+                  <a16:creationId xmlns:a16="http://schemas.microsoft.com/office/drawing/2014/main" id="{9F8F4CF4-AEDB-012E-FA6D-778FC01F3DD1}"/>
+                </a:ext>
+              </a:extLst>
+            </p:cNvPr>
+            <p:cNvSpPr txBox="1"/>
+            <p:nvPr/>
+          </p:nvSpPr>
+          <p:spPr>
+            <a:xfrm>
+              <a:off x="4959940" y="1465369"/>
+              <a:ext cx="2469931" cy="400110"/>
+            </a:xfrm>
+            <a:prstGeom prst="rect">
+              <a:avLst/>
+            </a:prstGeom>
+            <a:noFill/>
+          </p:spPr>
+          <p:txBody>
+            <a:bodyPr wrap="square" rtlCol="0">
+              <a:spAutoFit/>
+            </a:bodyPr>
+            <a:lstStyle/>
+            <a:p>
+              <a:pPr algn="ctr"/>
+              <a:r>
+                <a:rPr lang="es-ES" sz="2000" b="1" dirty="0">
+                  <a:latin typeface="Geist Mono Bold" pitchFamily="2" charset="77"/>
+                  <a:ea typeface="Geist Mono Bold" pitchFamily="2" charset="77"/>
+                  <a:cs typeface="Geist Mono Bold" pitchFamily="2" charset="77"/>
+                </a:rPr>
+                <a:t>Transformación</a:t>
+              </a:r>
+            </a:p>
+          </p:txBody>
+        </p:sp>
+        <p:sp>
+          <p:nvSpPr>
+            <p:cNvPr id="15" name="CuadroTexto 14">
+              <a:extLst>
+                <a:ext uri="{FF2B5EF4-FFF2-40B4-BE49-F238E27FC236}">
+                  <a16:creationId xmlns:a16="http://schemas.microsoft.com/office/drawing/2014/main" id="{0E1C92BE-CD53-9C64-208D-2CE6C3A53F25}"/>
+                </a:ext>
+              </a:extLst>
+            </p:cNvPr>
+            <p:cNvSpPr txBox="1"/>
+            <p:nvPr/>
+          </p:nvSpPr>
+          <p:spPr>
+            <a:xfrm>
+              <a:off x="9017247" y="1465369"/>
+              <a:ext cx="2469931" cy="400110"/>
+            </a:xfrm>
+            <a:prstGeom prst="rect">
+              <a:avLst/>
+            </a:prstGeom>
+            <a:noFill/>
+          </p:spPr>
+          <p:txBody>
+            <a:bodyPr wrap="square" rtlCol="0">
+              <a:spAutoFit/>
+            </a:bodyPr>
+            <a:lstStyle/>
+            <a:p>
+              <a:pPr algn="ctr"/>
+              <a:r>
+                <a:rPr lang="es-ES" sz="2000" b="1" dirty="0">
+                  <a:latin typeface="Geist Mono Bold" pitchFamily="2" charset="77"/>
+                  <a:ea typeface="Geist Mono Bold" pitchFamily="2" charset="77"/>
+                  <a:cs typeface="Geist Mono Bold" pitchFamily="2" charset="77"/>
+                </a:rPr>
+                <a:t>Carga</a:t>
+              </a:r>
+            </a:p>
+          </p:txBody>
+        </p:sp>
+        <p:sp>
+          <p:nvSpPr>
+            <p:cNvPr id="16" name="CuadroTexto 15">
+              <a:extLst>
+                <a:ext uri="{FF2B5EF4-FFF2-40B4-BE49-F238E27FC236}">
+                  <a16:creationId xmlns:a16="http://schemas.microsoft.com/office/drawing/2014/main" id="{CFCAE816-762F-7EB3-18FC-B35513975BE5}"/>
+                </a:ext>
+              </a:extLst>
+            </p:cNvPr>
+            <p:cNvSpPr txBox="1"/>
+            <p:nvPr/>
+          </p:nvSpPr>
+          <p:spPr>
+            <a:xfrm>
+              <a:off x="0" y="-4515"/>
+              <a:ext cx="12192000" cy="1200329"/>
+            </a:xfrm>
+            <a:prstGeom prst="rect">
+              <a:avLst/>
+            </a:prstGeom>
+            <a:noFill/>
+          </p:spPr>
+          <p:txBody>
+            <a:bodyPr wrap="square" rtlCol="0">
+              <a:spAutoFit/>
+            </a:bodyPr>
+            <a:lstStyle/>
+            <a:p>
+              <a:pPr algn="ctr"/>
+              <a:r>
+                <a:rPr lang="es-ES" sz="4000" b="1" dirty="0">
+                  <a:solidFill>
+                    <a:schemeClr val="bg1">
+                      <a:lumMod val="50000"/>
+                    </a:schemeClr>
+                  </a:solidFill>
+                  <a:latin typeface="Geist Mono Bold" pitchFamily="2" charset="77"/>
+                  <a:ea typeface="Geist Mono Bold" pitchFamily="2" charset="77"/>
+                  <a:cs typeface="Geist Mono Bold" pitchFamily="2" charset="77"/>
+                </a:rPr>
+                <a:t>ETL </a:t>
+              </a:r>
+            </a:p>
+            <a:p>
+              <a:pPr algn="ctr"/>
+              <a:r>
+                <a:rPr lang="es-ES" sz="3200" b="1" dirty="0">
+                  <a:solidFill>
+                    <a:schemeClr val="bg1">
+                      <a:lumMod val="50000"/>
+                    </a:schemeClr>
+                  </a:solidFill>
+                  <a:latin typeface="Geist Mono Bold" pitchFamily="2" charset="77"/>
+                  <a:ea typeface="Geist Mono Bold" pitchFamily="2" charset="77"/>
+                  <a:cs typeface="Geist Mono Bold" pitchFamily="2" charset="77"/>
+                </a:rPr>
+                <a:t>(Extract, Transform &amp; Load)</a:t>
+              </a:r>
+              <a:endParaRPr lang="es-ES" sz="4000" b="1" dirty="0">
                 <a:solidFill>
                   <a:schemeClr val="bg1">
                     <a:lumMod val="50000"/>
@@ -3676,14 +3777,652 @@
                 <a:latin typeface="Geist Mono Bold" pitchFamily="2" charset="77"/>
                 <a:ea typeface="Geist Mono Bold" pitchFamily="2" charset="77"/>
                 <a:cs typeface="Geist Mono Bold" pitchFamily="2" charset="77"/>
-              </a:rPr>
-              <a:t>ETL </a:t>
-            </a:r>
-          </a:p>
-          <a:p>
-            <a:pPr algn="ctr"/>
-            <a:r>
-              <a:rPr lang="es-ES" sz="3200" b="1" dirty="0">
+              </a:endParaRPr>
+            </a:p>
+          </p:txBody>
+        </p:sp>
+        <p:sp>
+          <p:nvSpPr>
+            <p:cNvPr id="17" name="CuadroTexto 16">
+              <a:extLst>
+                <a:ext uri="{FF2B5EF4-FFF2-40B4-BE49-F238E27FC236}">
+                  <a16:creationId xmlns:a16="http://schemas.microsoft.com/office/drawing/2014/main" id="{9D478FB1-F18A-9E3A-5C17-EFA96D83E838}"/>
+                </a:ext>
+              </a:extLst>
+            </p:cNvPr>
+            <p:cNvSpPr txBox="1"/>
+            <p:nvPr/>
+          </p:nvSpPr>
+          <p:spPr>
+            <a:xfrm>
+              <a:off x="565034" y="5692907"/>
+              <a:ext cx="2469931" cy="646331"/>
+            </a:xfrm>
+            <a:prstGeom prst="rect">
+              <a:avLst/>
+            </a:prstGeom>
+            <a:noFill/>
+          </p:spPr>
+          <p:txBody>
+            <a:bodyPr wrap="square" rtlCol="0">
+              <a:spAutoFit/>
+            </a:bodyPr>
+            <a:lstStyle/>
+            <a:p>
+              <a:pPr algn="ctr"/>
+              <a:r>
+                <a:rPr lang="es-ES" sz="1200" b="0" i="0" dirty="0">
+                  <a:solidFill>
+                    <a:schemeClr val="tx1">
+                      <a:lumMod val="50000"/>
+                      <a:lumOff val="50000"/>
+                    </a:schemeClr>
+                  </a:solidFill>
+                  <a:effectLst/>
+                  <a:latin typeface="Geist Mono" pitchFamily="2" charset="77"/>
+                  <a:ea typeface="Geist Mono" pitchFamily="2" charset="77"/>
+                  <a:cs typeface="Geist Mono" pitchFamily="2" charset="77"/>
+                </a:rPr>
+                <a:t>Recupera y verifica datos de diversas fuentes externas y bases</a:t>
+              </a:r>
+              <a:endParaRPr lang="es-ES" sz="1200" dirty="0">
+                <a:solidFill>
+                  <a:schemeClr val="tx1">
+                    <a:lumMod val="50000"/>
+                    <a:lumOff val="50000"/>
+                  </a:schemeClr>
+                </a:solidFill>
+                <a:latin typeface="Geist Mono" pitchFamily="2" charset="77"/>
+                <a:ea typeface="Geist Mono" pitchFamily="2" charset="77"/>
+                <a:cs typeface="Geist Mono" pitchFamily="2" charset="77"/>
+              </a:endParaRPr>
+            </a:p>
+          </p:txBody>
+        </p:sp>
+        <p:sp>
+          <p:nvSpPr>
+            <p:cNvPr id="18" name="CuadroTexto 17">
+              <a:extLst>
+                <a:ext uri="{FF2B5EF4-FFF2-40B4-BE49-F238E27FC236}">
+                  <a16:creationId xmlns:a16="http://schemas.microsoft.com/office/drawing/2014/main" id="{F4FC9BFA-1968-1E68-1085-C329D1E8869F}"/>
+                </a:ext>
+              </a:extLst>
+            </p:cNvPr>
+            <p:cNvSpPr txBox="1"/>
+            <p:nvPr/>
+          </p:nvSpPr>
+          <p:spPr>
+            <a:xfrm>
+              <a:off x="4721247" y="5692907"/>
+              <a:ext cx="2469931" cy="646331"/>
+            </a:xfrm>
+            <a:prstGeom prst="rect">
+              <a:avLst/>
+            </a:prstGeom>
+            <a:noFill/>
+          </p:spPr>
+          <p:txBody>
+            <a:bodyPr wrap="square" rtlCol="0">
+              <a:spAutoFit/>
+            </a:bodyPr>
+            <a:lstStyle>
+              <a:defPPr>
+                <a:defRPr lang="es-ES"/>
+              </a:defPPr>
+              <a:lvl1pPr algn="ctr">
+                <a:defRPr sz="1200" b="0" i="0">
+                  <a:solidFill>
+                    <a:schemeClr val="tx1">
+                      <a:lumMod val="50000"/>
+                      <a:lumOff val="50000"/>
+                    </a:schemeClr>
+                  </a:solidFill>
+                  <a:effectLst/>
+                  <a:latin typeface="Geist Mono" pitchFamily="2" charset="77"/>
+                  <a:ea typeface="Geist Mono" pitchFamily="2" charset="77"/>
+                  <a:cs typeface="Geist Mono" pitchFamily="2" charset="77"/>
+                </a:defRPr>
+              </a:lvl1pPr>
+            </a:lstStyle>
+            <a:p>
+              <a:r>
+                <a:rPr lang="es-ES" dirty="0"/>
+                <a:t>Procesa y organiza datos para hacerlos adecuados para análisis.</a:t>
+              </a:r>
+            </a:p>
+          </p:txBody>
+        </p:sp>
+        <p:sp>
+          <p:nvSpPr>
+            <p:cNvPr id="19" name="CuadroTexto 18">
+              <a:extLst>
+                <a:ext uri="{FF2B5EF4-FFF2-40B4-BE49-F238E27FC236}">
+                  <a16:creationId xmlns:a16="http://schemas.microsoft.com/office/drawing/2014/main" id="{E8DF277A-E41C-62CE-6CF5-7124B5643BBB}"/>
+                </a:ext>
+              </a:extLst>
+            </p:cNvPr>
+            <p:cNvSpPr txBox="1"/>
+            <p:nvPr/>
+          </p:nvSpPr>
+          <p:spPr>
+            <a:xfrm>
+              <a:off x="9017247" y="5508241"/>
+              <a:ext cx="2469931" cy="830997"/>
+            </a:xfrm>
+            <a:prstGeom prst="rect">
+              <a:avLst/>
+            </a:prstGeom>
+            <a:noFill/>
+          </p:spPr>
+          <p:txBody>
+            <a:bodyPr wrap="square" rtlCol="0">
+              <a:spAutoFit/>
+            </a:bodyPr>
+            <a:lstStyle>
+              <a:defPPr>
+                <a:defRPr lang="es-ES"/>
+              </a:defPPr>
+              <a:lvl1pPr algn="ctr">
+                <a:defRPr sz="1200" b="0" i="0">
+                  <a:solidFill>
+                    <a:schemeClr val="tx1">
+                      <a:lumMod val="50000"/>
+                      <a:lumOff val="50000"/>
+                    </a:schemeClr>
+                  </a:solidFill>
+                  <a:effectLst/>
+                  <a:latin typeface="Geist Mono" pitchFamily="2" charset="77"/>
+                  <a:ea typeface="Geist Mono" pitchFamily="2" charset="77"/>
+                  <a:cs typeface="Geist Mono" pitchFamily="2" charset="77"/>
+                </a:defRPr>
+              </a:lvl1pPr>
+            </a:lstStyle>
+            <a:p>
+              <a:r>
+                <a:rPr lang="es-ES" dirty="0"/>
+                <a:t>Transfiere los datos transformados a un repositorio o base de datos.</a:t>
+              </a:r>
+            </a:p>
+          </p:txBody>
+        </p:sp>
+      </p:grpSp>
+    </p:spTree>
+    <p:extLst>
+      <p:ext uri="{BB962C8B-B14F-4D97-AF65-F5344CB8AC3E}">
+        <p14:creationId xmlns:p14="http://schemas.microsoft.com/office/powerpoint/2010/main" val="726910165"/>
+      </p:ext>
+    </p:extLst>
+  </p:cSld>
+  <p:clrMapOvr>
+    <a:masterClrMapping/>
+  </p:clrMapOvr>
+</p:sld>
+</file>
+
+<file path=ppt/slides/slide2.xml><?xml version="1.0" encoding="utf-8"?>
+<p:sld xmlns:a="http://schemas.openxmlformats.org/drawingml/2006/main" xmlns:r="http://schemas.openxmlformats.org/officeDocument/2006/relationships" xmlns:p="http://schemas.openxmlformats.org/presentationml/2006/main">
+  <p:cSld>
+    <p:spTree>
+      <p:nvGrpSpPr>
+        <p:cNvPr id="1" name=""/>
+        <p:cNvGrpSpPr/>
+        <p:nvPr/>
+      </p:nvGrpSpPr>
+      <p:grpSpPr>
+        <a:xfrm>
+          <a:off x="0" y="0"/>
+          <a:ext cx="0" cy="0"/>
+          <a:chOff x="0" y="0"/>
+          <a:chExt cx="0" cy="0"/>
+        </a:xfrm>
+      </p:grpSpPr>
+      <p:grpSp>
+        <p:nvGrpSpPr>
+          <p:cNvPr id="3" name="Grupo 2">
+            <a:extLst>
+              <a:ext uri="{FF2B5EF4-FFF2-40B4-BE49-F238E27FC236}">
+                <a16:creationId xmlns:a16="http://schemas.microsoft.com/office/drawing/2014/main" id="{51D78C64-D18A-B71B-AA2B-84696896C494}"/>
+              </a:ext>
+            </a:extLst>
+          </p:cNvPr>
+          <p:cNvGrpSpPr/>
+          <p:nvPr/>
+        </p:nvGrpSpPr>
+        <p:grpSpPr>
+          <a:xfrm>
+            <a:off x="0" y="-4515"/>
+            <a:ext cx="12192000" cy="6862515"/>
+            <a:chOff x="0" y="-4515"/>
+            <a:chExt cx="12192000" cy="6862515"/>
+          </a:xfrm>
+        </p:grpSpPr>
+        <p:sp>
+          <p:nvSpPr>
+            <p:cNvPr id="2" name="Rectángulo 1">
+              <a:extLst>
+                <a:ext uri="{FF2B5EF4-FFF2-40B4-BE49-F238E27FC236}">
+                  <a16:creationId xmlns:a16="http://schemas.microsoft.com/office/drawing/2014/main" id="{BCD5164F-1B30-7100-FC0D-C8DA45AE4508}"/>
+                </a:ext>
+              </a:extLst>
+            </p:cNvPr>
+            <p:cNvSpPr/>
+            <p:nvPr/>
+          </p:nvSpPr>
+          <p:spPr>
+            <a:xfrm>
+              <a:off x="0" y="0"/>
+              <a:ext cx="12192000" cy="6858000"/>
+            </a:xfrm>
+            <a:prstGeom prst="rect">
+              <a:avLst/>
+            </a:prstGeom>
+            <a:solidFill>
+              <a:schemeClr val="bg1"/>
+            </a:solidFill>
+            <a:ln>
+              <a:noFill/>
+            </a:ln>
+          </p:spPr>
+          <p:style>
+            <a:lnRef idx="2">
+              <a:schemeClr val="accent1">
+                <a:shade val="15000"/>
+              </a:schemeClr>
+            </a:lnRef>
+            <a:fillRef idx="1">
+              <a:schemeClr val="accent1"/>
+            </a:fillRef>
+            <a:effectRef idx="0">
+              <a:schemeClr val="accent1"/>
+            </a:effectRef>
+            <a:fontRef idx="minor">
+              <a:schemeClr val="lt1"/>
+            </a:fontRef>
+          </p:style>
+          <p:txBody>
+            <a:bodyPr rtlCol="0" anchor="ctr"/>
+            <a:lstStyle/>
+            <a:p>
+              <a:pPr algn="ctr"/>
+              <a:endParaRPr lang="es-ES"/>
+            </a:p>
+          </p:txBody>
+        </p:sp>
+        <p:pic>
+          <p:nvPicPr>
+            <p:cNvPr id="5" name="Gráfico 4" descr="Base de datos con relleno sólido">
+              <a:extLst>
+                <a:ext uri="{FF2B5EF4-FFF2-40B4-BE49-F238E27FC236}">
+                  <a16:creationId xmlns:a16="http://schemas.microsoft.com/office/drawing/2014/main" id="{382B036B-D330-9F3D-ED6C-02E425DAA571}"/>
+                </a:ext>
+              </a:extLst>
+            </p:cNvPr>
+            <p:cNvPicPr>
+              <a:picLocks noChangeAspect="1"/>
+            </p:cNvPicPr>
+            <p:nvPr/>
+          </p:nvPicPr>
+          <p:blipFill>
+            <a:blip r:embed="rId2">
+              <a:extLst>
+                <a:ext uri="{96DAC541-7B7A-43D3-8B79-37D633B846F1}">
+                  <asvg:svgBlip xmlns:asvg="http://schemas.microsoft.com/office/drawing/2016/SVG/main" r:embed="rId3"/>
+                </a:ext>
+              </a:extLst>
+            </a:blip>
+            <a:stretch>
+              <a:fillRect/>
+            </a:stretch>
+          </p:blipFill>
+          <p:spPr>
+            <a:xfrm>
+              <a:off x="0" y="1865479"/>
+              <a:ext cx="3600000" cy="3600000"/>
+            </a:xfrm>
+            <a:prstGeom prst="rect">
+              <a:avLst/>
+            </a:prstGeom>
+          </p:spPr>
+        </p:pic>
+        <p:pic>
+          <p:nvPicPr>
+            <p:cNvPr id="7" name="Gráfico 6" descr="Engranajes con relleno sólido">
+              <a:extLst>
+                <a:ext uri="{FF2B5EF4-FFF2-40B4-BE49-F238E27FC236}">
+                  <a16:creationId xmlns:a16="http://schemas.microsoft.com/office/drawing/2014/main" id="{BE1C6EDF-3D46-4435-035C-F1FF8DE51DAB}"/>
+                </a:ext>
+              </a:extLst>
+            </p:cNvPr>
+            <p:cNvPicPr>
+              <a:picLocks noChangeAspect="1"/>
+            </p:cNvPicPr>
+            <p:nvPr/>
+          </p:nvPicPr>
+          <p:blipFill>
+            <a:blip r:embed="rId4">
+              <a:extLst>
+                <a:ext uri="{96DAC541-7B7A-43D3-8B79-37D633B846F1}">
+                  <asvg:svgBlip xmlns:asvg="http://schemas.microsoft.com/office/drawing/2016/SVG/main" r:embed="rId5"/>
+                </a:ext>
+              </a:extLst>
+            </a:blip>
+            <a:stretch>
+              <a:fillRect/>
+            </a:stretch>
+          </p:blipFill>
+          <p:spPr>
+            <a:xfrm>
+              <a:off x="8538605" y="1809509"/>
+              <a:ext cx="3600000" cy="3600000"/>
+            </a:xfrm>
+            <a:prstGeom prst="rect">
+              <a:avLst/>
+            </a:prstGeom>
+          </p:spPr>
+        </p:pic>
+        <p:pic>
+          <p:nvPicPr>
+            <p:cNvPr id="9" name="Gráfico 8" descr="Informática en la nube con relleno sólido">
+              <a:extLst>
+                <a:ext uri="{FF2B5EF4-FFF2-40B4-BE49-F238E27FC236}">
+                  <a16:creationId xmlns:a16="http://schemas.microsoft.com/office/drawing/2014/main" id="{B8A36767-852F-86D0-DB63-DC9E58AD8589}"/>
+                </a:ext>
+              </a:extLst>
+            </p:cNvPr>
+            <p:cNvPicPr>
+              <a:picLocks noChangeAspect="1"/>
+            </p:cNvPicPr>
+            <p:nvPr/>
+          </p:nvPicPr>
+          <p:blipFill>
+            <a:blip r:embed="rId6">
+              <a:extLst>
+                <a:ext uri="{96DAC541-7B7A-43D3-8B79-37D633B846F1}">
+                  <asvg:svgBlip xmlns:asvg="http://schemas.microsoft.com/office/drawing/2016/SVG/main" r:embed="rId7"/>
+                </a:ext>
+              </a:extLst>
+            </a:blip>
+            <a:stretch>
+              <a:fillRect/>
+            </a:stretch>
+          </p:blipFill>
+          <p:spPr>
+            <a:xfrm>
+              <a:off x="4482453" y="1865479"/>
+              <a:ext cx="3600000" cy="3600000"/>
+            </a:xfrm>
+            <a:prstGeom prst="rect">
+              <a:avLst/>
+            </a:prstGeom>
+          </p:spPr>
+        </p:pic>
+        <p:cxnSp>
+          <p:nvCxnSpPr>
+            <p:cNvPr id="11" name="Conector recto de flecha 10">
+              <a:extLst>
+                <a:ext uri="{FF2B5EF4-FFF2-40B4-BE49-F238E27FC236}">
+                  <a16:creationId xmlns:a16="http://schemas.microsoft.com/office/drawing/2014/main" id="{A4FF567C-A0B7-37A7-8B2D-0AC368E26599}"/>
+                </a:ext>
+              </a:extLst>
+            </p:cNvPr>
+            <p:cNvCxnSpPr>
+              <a:cxnSpLocks/>
+            </p:cNvCxnSpPr>
+            <p:nvPr/>
+          </p:nvCxnSpPr>
+          <p:spPr>
+            <a:xfrm>
+              <a:off x="3352800" y="3711462"/>
+              <a:ext cx="977462" cy="0"/>
+            </a:xfrm>
+            <a:prstGeom prst="straightConnector1">
+              <a:avLst/>
+            </a:prstGeom>
+            <a:ln w="76200">
+              <a:solidFill>
+                <a:srgbClr val="FFC000"/>
+              </a:solidFill>
+              <a:tailEnd type="triangle"/>
+            </a:ln>
+          </p:spPr>
+          <p:style>
+            <a:lnRef idx="2">
+              <a:schemeClr val="accent1"/>
+            </a:lnRef>
+            <a:fillRef idx="0">
+              <a:schemeClr val="accent1"/>
+            </a:fillRef>
+            <a:effectRef idx="1">
+              <a:schemeClr val="accent1"/>
+            </a:effectRef>
+            <a:fontRef idx="minor">
+              <a:schemeClr val="tx1"/>
+            </a:fontRef>
+          </p:style>
+        </p:cxnSp>
+        <p:cxnSp>
+          <p:nvCxnSpPr>
+            <p:cNvPr id="12" name="Conector recto de flecha 11">
+              <a:extLst>
+                <a:ext uri="{FF2B5EF4-FFF2-40B4-BE49-F238E27FC236}">
+                  <a16:creationId xmlns:a16="http://schemas.microsoft.com/office/drawing/2014/main" id="{D7E77D47-4368-68A1-B466-94C3AB8B9D3F}"/>
+                </a:ext>
+              </a:extLst>
+            </p:cNvPr>
+            <p:cNvCxnSpPr>
+              <a:cxnSpLocks/>
+            </p:cNvCxnSpPr>
+            <p:nvPr/>
+          </p:nvCxnSpPr>
+          <p:spPr>
+            <a:xfrm>
+              <a:off x="8013715" y="3711462"/>
+              <a:ext cx="977462" cy="0"/>
+            </a:xfrm>
+            <a:prstGeom prst="straightConnector1">
+              <a:avLst/>
+            </a:prstGeom>
+            <a:ln w="76200">
+              <a:solidFill>
+                <a:srgbClr val="FFC000"/>
+              </a:solidFill>
+              <a:tailEnd type="triangle"/>
+            </a:ln>
+          </p:spPr>
+          <p:style>
+            <a:lnRef idx="2">
+              <a:schemeClr val="accent1"/>
+            </a:lnRef>
+            <a:fillRef idx="0">
+              <a:schemeClr val="accent1"/>
+            </a:fillRef>
+            <a:effectRef idx="1">
+              <a:schemeClr val="accent1"/>
+            </a:effectRef>
+            <a:fontRef idx="minor">
+              <a:schemeClr val="tx1"/>
+            </a:fontRef>
+          </p:style>
+        </p:cxnSp>
+        <p:sp>
+          <p:nvSpPr>
+            <p:cNvPr id="13" name="CuadroTexto 12">
+              <a:extLst>
+                <a:ext uri="{FF2B5EF4-FFF2-40B4-BE49-F238E27FC236}">
+                  <a16:creationId xmlns:a16="http://schemas.microsoft.com/office/drawing/2014/main" id="{A3BBF106-8E71-2E74-5B95-1E9C0783643C}"/>
+                </a:ext>
+              </a:extLst>
+            </p:cNvPr>
+            <p:cNvSpPr txBox="1"/>
+            <p:nvPr/>
+          </p:nvSpPr>
+          <p:spPr>
+            <a:xfrm>
+              <a:off x="565034" y="1460014"/>
+              <a:ext cx="2469931" cy="400110"/>
+            </a:xfrm>
+            <a:prstGeom prst="rect">
+              <a:avLst/>
+            </a:prstGeom>
+            <a:noFill/>
+          </p:spPr>
+          <p:txBody>
+            <a:bodyPr wrap="square" rtlCol="0">
+              <a:spAutoFit/>
+            </a:bodyPr>
+            <a:lstStyle/>
+            <a:p>
+              <a:pPr algn="ctr"/>
+              <a:r>
+                <a:rPr lang="es-ES" sz="2000" b="1" dirty="0">
+                  <a:latin typeface="Geist Mono Bold" pitchFamily="2" charset="77"/>
+                  <a:ea typeface="Geist Mono Bold" pitchFamily="2" charset="77"/>
+                  <a:cs typeface="Geist Mono Bold" pitchFamily="2" charset="77"/>
+                </a:rPr>
+                <a:t>Extracción</a:t>
+              </a:r>
+            </a:p>
+          </p:txBody>
+        </p:sp>
+        <p:sp>
+          <p:nvSpPr>
+            <p:cNvPr id="14" name="CuadroTexto 13">
+              <a:extLst>
+                <a:ext uri="{FF2B5EF4-FFF2-40B4-BE49-F238E27FC236}">
+                  <a16:creationId xmlns:a16="http://schemas.microsoft.com/office/drawing/2014/main" id="{9F8F4CF4-AEDB-012E-FA6D-778FC01F3DD1}"/>
+                </a:ext>
+              </a:extLst>
+            </p:cNvPr>
+            <p:cNvSpPr txBox="1"/>
+            <p:nvPr/>
+          </p:nvSpPr>
+          <p:spPr>
+            <a:xfrm>
+              <a:off x="9342332" y="1409399"/>
+              <a:ext cx="2469931" cy="400110"/>
+            </a:xfrm>
+            <a:prstGeom prst="rect">
+              <a:avLst/>
+            </a:prstGeom>
+            <a:noFill/>
+          </p:spPr>
+          <p:txBody>
+            <a:bodyPr wrap="square" rtlCol="0">
+              <a:spAutoFit/>
+            </a:bodyPr>
+            <a:lstStyle/>
+            <a:p>
+              <a:pPr algn="ctr"/>
+              <a:r>
+                <a:rPr lang="es-ES" sz="2000" b="1" dirty="0">
+                  <a:latin typeface="Geist Mono Bold" pitchFamily="2" charset="77"/>
+                  <a:ea typeface="Geist Mono Bold" pitchFamily="2" charset="77"/>
+                  <a:cs typeface="Geist Mono Bold" pitchFamily="2" charset="77"/>
+                </a:rPr>
+                <a:t>Transformación</a:t>
+              </a:r>
+            </a:p>
+          </p:txBody>
+        </p:sp>
+        <p:sp>
+          <p:nvSpPr>
+            <p:cNvPr id="15" name="CuadroTexto 14">
+              <a:extLst>
+                <a:ext uri="{FF2B5EF4-FFF2-40B4-BE49-F238E27FC236}">
+                  <a16:creationId xmlns:a16="http://schemas.microsoft.com/office/drawing/2014/main" id="{0E1C92BE-CD53-9C64-208D-2CE6C3A53F25}"/>
+                </a:ext>
+              </a:extLst>
+            </p:cNvPr>
+            <p:cNvSpPr txBox="1"/>
+            <p:nvPr/>
+          </p:nvSpPr>
+          <p:spPr>
+            <a:xfrm>
+              <a:off x="4861034" y="1427730"/>
+              <a:ext cx="2469931" cy="400110"/>
+            </a:xfrm>
+            <a:prstGeom prst="rect">
+              <a:avLst/>
+            </a:prstGeom>
+            <a:noFill/>
+          </p:spPr>
+          <p:txBody>
+            <a:bodyPr wrap="square" rtlCol="0">
+              <a:spAutoFit/>
+            </a:bodyPr>
+            <a:lstStyle/>
+            <a:p>
+              <a:pPr algn="ctr"/>
+              <a:r>
+                <a:rPr lang="es-ES" sz="2000" b="1" dirty="0">
+                  <a:latin typeface="Geist Mono Bold" pitchFamily="2" charset="77"/>
+                  <a:ea typeface="Geist Mono Bold" pitchFamily="2" charset="77"/>
+                  <a:cs typeface="Geist Mono Bold" pitchFamily="2" charset="77"/>
+                </a:rPr>
+                <a:t>Carga</a:t>
+              </a:r>
+            </a:p>
+          </p:txBody>
+        </p:sp>
+        <p:sp>
+          <p:nvSpPr>
+            <p:cNvPr id="16" name="CuadroTexto 15">
+              <a:extLst>
+                <a:ext uri="{FF2B5EF4-FFF2-40B4-BE49-F238E27FC236}">
+                  <a16:creationId xmlns:a16="http://schemas.microsoft.com/office/drawing/2014/main" id="{CFCAE816-762F-7EB3-18FC-B35513975BE5}"/>
+                </a:ext>
+              </a:extLst>
+            </p:cNvPr>
+            <p:cNvSpPr txBox="1"/>
+            <p:nvPr/>
+          </p:nvSpPr>
+          <p:spPr>
+            <a:xfrm>
+              <a:off x="0" y="-4515"/>
+              <a:ext cx="12192000" cy="1200329"/>
+            </a:xfrm>
+            <a:prstGeom prst="rect">
+              <a:avLst/>
+            </a:prstGeom>
+            <a:noFill/>
+          </p:spPr>
+          <p:txBody>
+            <a:bodyPr wrap="square" rtlCol="0">
+              <a:spAutoFit/>
+            </a:bodyPr>
+            <a:lstStyle/>
+            <a:p>
+              <a:pPr algn="ctr"/>
+              <a:r>
+                <a:rPr lang="es-ES" sz="4000" b="1" dirty="0">
+                  <a:solidFill>
+                    <a:schemeClr val="bg1">
+                      <a:lumMod val="50000"/>
+                    </a:schemeClr>
+                  </a:solidFill>
+                  <a:latin typeface="Geist Mono Bold" pitchFamily="2" charset="77"/>
+                  <a:ea typeface="Geist Mono Bold" pitchFamily="2" charset="77"/>
+                  <a:cs typeface="Geist Mono Bold" pitchFamily="2" charset="77"/>
+                </a:rPr>
+                <a:t>ELT </a:t>
+              </a:r>
+            </a:p>
+            <a:p>
+              <a:pPr algn="ctr"/>
+              <a:r>
+                <a:rPr lang="es-ES" sz="3200" b="1" dirty="0">
+                  <a:solidFill>
+                    <a:schemeClr val="bg1">
+                      <a:lumMod val="50000"/>
+                    </a:schemeClr>
+                  </a:solidFill>
+                  <a:latin typeface="Geist Mono Bold" pitchFamily="2" charset="77"/>
+                  <a:ea typeface="Geist Mono Bold" pitchFamily="2" charset="77"/>
+                  <a:cs typeface="Geist Mono Bold" pitchFamily="2" charset="77"/>
+                </a:rPr>
+                <a:t>(Extract, Load &amp; Transform)</a:t>
+              </a:r>
+              <a:endParaRPr lang="es-ES" sz="4000" b="1" dirty="0">
                 <a:solidFill>
                   <a:schemeClr val="bg1">
                     <a:lumMod val="50000"/>
@@ -3692,190 +4431,179 @@
                 <a:latin typeface="Geist Mono Bold" pitchFamily="2" charset="77"/>
                 <a:ea typeface="Geist Mono Bold" pitchFamily="2" charset="77"/>
                 <a:cs typeface="Geist Mono Bold" pitchFamily="2" charset="77"/>
-              </a:rPr>
-              <a:t>(Extract, Transform &amp; Load)</a:t>
-            </a:r>
-            <a:endParaRPr lang="es-ES" sz="4000" b="1" dirty="0">
-              <a:solidFill>
-                <a:schemeClr val="bg1">
-                  <a:lumMod val="50000"/>
-                </a:schemeClr>
-              </a:solidFill>
-              <a:latin typeface="Geist Mono Bold" pitchFamily="2" charset="77"/>
-              <a:ea typeface="Geist Mono Bold" pitchFamily="2" charset="77"/>
-              <a:cs typeface="Geist Mono Bold" pitchFamily="2" charset="77"/>
-            </a:endParaRPr>
-          </a:p>
-        </p:txBody>
-      </p:sp>
-      <p:sp>
-        <p:nvSpPr>
-          <p:cNvPr id="17" name="CuadroTexto 16">
-            <a:extLst>
-              <a:ext uri="{FF2B5EF4-FFF2-40B4-BE49-F238E27FC236}">
-                <a16:creationId xmlns:a16="http://schemas.microsoft.com/office/drawing/2014/main" id="{9D478FB1-F18A-9E3A-5C17-EFA96D83E838}"/>
-              </a:ext>
-            </a:extLst>
-          </p:cNvPr>
-          <p:cNvSpPr txBox="1"/>
-          <p:nvPr/>
-        </p:nvSpPr>
-        <p:spPr>
-          <a:xfrm>
-            <a:off x="565034" y="5692907"/>
-            <a:ext cx="2469931" cy="646331"/>
-          </a:xfrm>
-          <a:prstGeom prst="rect">
-            <a:avLst/>
-          </a:prstGeom>
-          <a:noFill/>
-        </p:spPr>
-        <p:txBody>
-          <a:bodyPr wrap="square" rtlCol="0">
-            <a:spAutoFit/>
-          </a:bodyPr>
-          <a:lstStyle/>
-          <a:p>
-            <a:pPr algn="ctr"/>
-            <a:r>
-              <a:rPr lang="es-ES" sz="1200" b="0" i="0" dirty="0">
+              </a:endParaRPr>
+            </a:p>
+          </p:txBody>
+        </p:sp>
+        <p:sp>
+          <p:nvSpPr>
+            <p:cNvPr id="17" name="CuadroTexto 16">
+              <a:extLst>
+                <a:ext uri="{FF2B5EF4-FFF2-40B4-BE49-F238E27FC236}">
+                  <a16:creationId xmlns:a16="http://schemas.microsoft.com/office/drawing/2014/main" id="{9D478FB1-F18A-9E3A-5C17-EFA96D83E838}"/>
+                </a:ext>
+              </a:extLst>
+            </p:cNvPr>
+            <p:cNvSpPr txBox="1"/>
+            <p:nvPr/>
+          </p:nvSpPr>
+          <p:spPr>
+            <a:xfrm>
+              <a:off x="565034" y="5807760"/>
+              <a:ext cx="2469931" cy="646331"/>
+            </a:xfrm>
+            <a:prstGeom prst="rect">
+              <a:avLst/>
+            </a:prstGeom>
+            <a:noFill/>
+          </p:spPr>
+          <p:txBody>
+            <a:bodyPr wrap="square" rtlCol="0">
+              <a:spAutoFit/>
+            </a:bodyPr>
+            <a:lstStyle/>
+            <a:p>
+              <a:pPr algn="ctr"/>
+              <a:r>
+                <a:rPr lang="es-ES" sz="1200" b="0" i="0" dirty="0">
+                  <a:solidFill>
+                    <a:schemeClr val="tx1">
+                      <a:lumMod val="50000"/>
+                      <a:lumOff val="50000"/>
+                    </a:schemeClr>
+                  </a:solidFill>
+                  <a:effectLst/>
+                  <a:latin typeface="Geist Mono" pitchFamily="2" charset="77"/>
+                  <a:ea typeface="Geist Mono" pitchFamily="2" charset="77"/>
+                  <a:cs typeface="Geist Mono" pitchFamily="2" charset="77"/>
+                </a:rPr>
+                <a:t>Recupera y verifica datos de diversas fuentes externas y bases</a:t>
+              </a:r>
+              <a:endParaRPr lang="es-ES" sz="1200" dirty="0">
                 <a:solidFill>
                   <a:schemeClr val="tx1">
                     <a:lumMod val="50000"/>
                     <a:lumOff val="50000"/>
                   </a:schemeClr>
                 </a:solidFill>
-                <a:effectLst/>
                 <a:latin typeface="Geist Mono" pitchFamily="2" charset="77"/>
                 <a:ea typeface="Geist Mono" pitchFamily="2" charset="77"/>
                 <a:cs typeface="Geist Mono" pitchFamily="2" charset="77"/>
-              </a:rPr>
-              <a:t>Recupera y verifica datos de diversas fuentes externas y bases</a:t>
-            </a:r>
-            <a:endParaRPr lang="es-ES" sz="1200" dirty="0">
-              <a:solidFill>
-                <a:schemeClr val="tx1">
-                  <a:lumMod val="50000"/>
-                  <a:lumOff val="50000"/>
-                </a:schemeClr>
-              </a:solidFill>
-              <a:latin typeface="Geist Mono" pitchFamily="2" charset="77"/>
-              <a:ea typeface="Geist Mono" pitchFamily="2" charset="77"/>
-              <a:cs typeface="Geist Mono" pitchFamily="2" charset="77"/>
-            </a:endParaRPr>
-          </a:p>
-        </p:txBody>
-      </p:sp>
-      <p:sp>
-        <p:nvSpPr>
-          <p:cNvPr id="18" name="CuadroTexto 17">
-            <a:extLst>
-              <a:ext uri="{FF2B5EF4-FFF2-40B4-BE49-F238E27FC236}">
-                <a16:creationId xmlns:a16="http://schemas.microsoft.com/office/drawing/2014/main" id="{F4FC9BFA-1968-1E68-1085-C329D1E8869F}"/>
-              </a:ext>
-            </a:extLst>
-          </p:cNvPr>
-          <p:cNvSpPr txBox="1"/>
-          <p:nvPr/>
-        </p:nvSpPr>
-        <p:spPr>
-          <a:xfrm>
-            <a:off x="4721247" y="5692907"/>
-            <a:ext cx="2469931" cy="646331"/>
-          </a:xfrm>
-          <a:prstGeom prst="rect">
-            <a:avLst/>
-          </a:prstGeom>
-          <a:noFill/>
-        </p:spPr>
-        <p:txBody>
-          <a:bodyPr wrap="square" rtlCol="0">
-            <a:spAutoFit/>
-          </a:bodyPr>
-          <a:lstStyle>
-            <a:defPPr>
-              <a:defRPr lang="es-ES"/>
-            </a:defPPr>
-            <a:lvl1pPr algn="ctr">
-              <a:defRPr sz="1200" b="0" i="0">
-                <a:solidFill>
-                  <a:schemeClr val="tx1">
-                    <a:lumMod val="50000"/>
-                    <a:lumOff val="50000"/>
-                  </a:schemeClr>
-                </a:solidFill>
-                <a:effectLst/>
-                <a:latin typeface="Geist Mono" pitchFamily="2" charset="77"/>
-                <a:ea typeface="Geist Mono" pitchFamily="2" charset="77"/>
-                <a:cs typeface="Geist Mono" pitchFamily="2" charset="77"/>
-              </a:defRPr>
-            </a:lvl1pPr>
-          </a:lstStyle>
-          <a:p>
-            <a:r>
-              <a:rPr lang="es-ES" dirty="0"/>
-              <a:t>Procesa y organiza datos para hacerlos adecuados para análisis.</a:t>
-            </a:r>
-          </a:p>
-        </p:txBody>
-      </p:sp>
-      <p:sp>
-        <p:nvSpPr>
-          <p:cNvPr id="19" name="CuadroTexto 18">
-            <a:extLst>
-              <a:ext uri="{FF2B5EF4-FFF2-40B4-BE49-F238E27FC236}">
-                <a16:creationId xmlns:a16="http://schemas.microsoft.com/office/drawing/2014/main" id="{E8DF277A-E41C-62CE-6CF5-7124B5643BBB}"/>
-              </a:ext>
-            </a:extLst>
-          </p:cNvPr>
-          <p:cNvSpPr txBox="1"/>
-          <p:nvPr/>
-        </p:nvSpPr>
-        <p:spPr>
-          <a:xfrm>
-            <a:off x="9017247" y="5508241"/>
-            <a:ext cx="2469931" cy="830997"/>
-          </a:xfrm>
-          <a:prstGeom prst="rect">
-            <a:avLst/>
-          </a:prstGeom>
-          <a:noFill/>
-        </p:spPr>
-        <p:txBody>
-          <a:bodyPr wrap="square" rtlCol="0">
-            <a:spAutoFit/>
-          </a:bodyPr>
-          <a:lstStyle>
-            <a:defPPr>
-              <a:defRPr lang="es-ES"/>
-            </a:defPPr>
-            <a:lvl1pPr algn="ctr">
-              <a:defRPr sz="1200" b="0" i="0">
-                <a:solidFill>
-                  <a:schemeClr val="tx1">
-                    <a:lumMod val="50000"/>
-                    <a:lumOff val="50000"/>
-                  </a:schemeClr>
-                </a:solidFill>
-                <a:effectLst/>
-                <a:latin typeface="Geist Mono" pitchFamily="2" charset="77"/>
-                <a:ea typeface="Geist Mono" pitchFamily="2" charset="77"/>
-                <a:cs typeface="Geist Mono" pitchFamily="2" charset="77"/>
-              </a:defRPr>
-            </a:lvl1pPr>
-          </a:lstStyle>
-          <a:p>
-            <a:r>
-              <a:rPr lang="es-ES" dirty="0"/>
-              <a:t>Transfiere los datos transformados a un repositorio o base de datos.</a:t>
-            </a:r>
-          </a:p>
-        </p:txBody>
-      </p:sp>
+              </a:endParaRPr>
+            </a:p>
+          </p:txBody>
+        </p:sp>
+        <p:sp>
+          <p:nvSpPr>
+            <p:cNvPr id="18" name="CuadroTexto 17">
+              <a:extLst>
+                <a:ext uri="{FF2B5EF4-FFF2-40B4-BE49-F238E27FC236}">
+                  <a16:creationId xmlns:a16="http://schemas.microsoft.com/office/drawing/2014/main" id="{F4FC9BFA-1968-1E68-1085-C329D1E8869F}"/>
+                </a:ext>
+              </a:extLst>
+            </p:cNvPr>
+            <p:cNvSpPr txBox="1"/>
+            <p:nvPr/>
+          </p:nvSpPr>
+          <p:spPr>
+            <a:xfrm>
+              <a:off x="8877460" y="5623094"/>
+              <a:ext cx="2469931" cy="1015663"/>
+            </a:xfrm>
+            <a:prstGeom prst="rect">
+              <a:avLst/>
+            </a:prstGeom>
+            <a:noFill/>
+          </p:spPr>
+          <p:txBody>
+            <a:bodyPr wrap="square" rtlCol="0">
+              <a:spAutoFit/>
+            </a:bodyPr>
+            <a:lstStyle>
+              <a:defPPr>
+                <a:defRPr lang="es-ES"/>
+              </a:defPPr>
+              <a:lvl1pPr algn="ctr">
+                <a:defRPr sz="1200" b="0" i="0">
+                  <a:solidFill>
+                    <a:schemeClr val="tx1">
+                      <a:lumMod val="50000"/>
+                      <a:lumOff val="50000"/>
+                    </a:schemeClr>
+                  </a:solidFill>
+                  <a:effectLst/>
+                  <a:latin typeface="Geist Mono" pitchFamily="2" charset="77"/>
+                  <a:ea typeface="Geist Mono" pitchFamily="2" charset="77"/>
+                  <a:cs typeface="Geist Mono" pitchFamily="2" charset="77"/>
+                </a:defRPr>
+              </a:lvl1pPr>
+            </a:lstStyle>
+            <a:p>
+              <a:r>
+                <a:rPr lang="es-ES" dirty="0"/>
+                <a:t>Procesa y transforma en el sistema de almacenamiento los datos para hacerlos adecuados para análisis.</a:t>
+              </a:r>
+            </a:p>
+          </p:txBody>
+        </p:sp>
+        <p:sp>
+          <p:nvSpPr>
+            <p:cNvPr id="19" name="CuadroTexto 18">
+              <a:extLst>
+                <a:ext uri="{FF2B5EF4-FFF2-40B4-BE49-F238E27FC236}">
+                  <a16:creationId xmlns:a16="http://schemas.microsoft.com/office/drawing/2014/main" id="{E8DF277A-E41C-62CE-6CF5-7124B5643BBB}"/>
+                </a:ext>
+              </a:extLst>
+            </p:cNvPr>
+            <p:cNvSpPr txBox="1"/>
+            <p:nvPr/>
+          </p:nvSpPr>
+          <p:spPr>
+            <a:xfrm>
+              <a:off x="4797551" y="5807760"/>
+              <a:ext cx="2469931" cy="646331"/>
+            </a:xfrm>
+            <a:prstGeom prst="rect">
+              <a:avLst/>
+            </a:prstGeom>
+            <a:noFill/>
+          </p:spPr>
+          <p:txBody>
+            <a:bodyPr wrap="square" rtlCol="0">
+              <a:spAutoFit/>
+            </a:bodyPr>
+            <a:lstStyle>
+              <a:defPPr>
+                <a:defRPr lang="es-ES"/>
+              </a:defPPr>
+              <a:lvl1pPr algn="ctr">
+                <a:defRPr sz="1200" b="0" i="0">
+                  <a:solidFill>
+                    <a:schemeClr val="tx1">
+                      <a:lumMod val="50000"/>
+                      <a:lumOff val="50000"/>
+                    </a:schemeClr>
+                  </a:solidFill>
+                  <a:effectLst/>
+                  <a:latin typeface="Geist Mono" pitchFamily="2" charset="77"/>
+                  <a:ea typeface="Geist Mono" pitchFamily="2" charset="77"/>
+                  <a:cs typeface="Geist Mono" pitchFamily="2" charset="77"/>
+                </a:defRPr>
+              </a:lvl1pPr>
+            </a:lstStyle>
+            <a:p>
+              <a:r>
+                <a:rPr lang="es-ES" dirty="0"/>
+                <a:t>Transfiere los datos a un repositorio o base de datos.</a:t>
+              </a:r>
+            </a:p>
+          </p:txBody>
+        </p:sp>
+      </p:grpSp>
     </p:spTree>
     <p:extLst>
       <p:ext uri="{BB962C8B-B14F-4D97-AF65-F5344CB8AC3E}">
-        <p14:creationId xmlns:p14="http://schemas.microsoft.com/office/powerpoint/2010/main" val="726910165"/>
+        <p14:creationId xmlns:p14="http://schemas.microsoft.com/office/powerpoint/2010/main" val="3083515880"/>
       </p:ext>
     </p:extLst>
   </p:cSld>
